--- a/templates/template.pptx
+++ b/templates/template.pptx
@@ -123,10 +123,6 @@
             <p14:sldId id="269"/>
             <p14:sldId id="2147483647"/>
             <p14:sldId id="257"/>
-          </p14:sldIdLst>
-        </p14:section>
-        <p14:section name="Ending" id="{77F1ADA2-9494-499F-AFC6-12F9BF1A9F04}">
-          <p14:sldIdLst>
             <p14:sldId id="258"/>
           </p14:sldIdLst>
         </p14:section>
@@ -251,7 +247,7 @@
           <a:p>
             <a:fld id="{BDC9863B-91B4-47BC-8440-E4181E1A9D87}" type="datetimeFigureOut">
               <a:rPr kumimoji="1" lang="ja-JP" altLang="en-US" smtClean="0"/>
-              <a:t>2025/12/12</a:t>
+              <a:t>2025/12/14</a:t>
             </a:fld>
             <a:endParaRPr kumimoji="1" lang="ja-JP" altLang="en-US"/>
           </a:p>
@@ -428,7 +424,7 @@
           <a:p>
             <a:fld id="{F2D47CB2-9843-4E08-99A9-CD5798075F2A}" type="datetimeFigureOut">
               <a:rPr kumimoji="1" lang="ja-JP" altLang="en-US" smtClean="0"/>
-              <a:t>2025/12/12</a:t>
+              <a:t>2025/12/14</a:t>
             </a:fld>
             <a:endParaRPr kumimoji="1" lang="ja-JP" altLang="en-US"/>
           </a:p>
@@ -882,7 +878,7 @@
           <a:p>
             <a:fld id="{19426BBC-4C99-4D42-A60E-078DBFAA76BC}" type="datetimeFigureOut">
               <a:rPr kumimoji="1" lang="ja-JP" altLang="en-US" smtClean="0"/>
-              <a:t>2025/12/12</a:t>
+              <a:t>2025/12/14</a:t>
             </a:fld>
             <a:endParaRPr kumimoji="1" lang="ja-JP" altLang="en-US"/>
           </a:p>
@@ -1154,7 +1150,7 @@
           <a:p>
             <a:fld id="{19426BBC-4C99-4D42-A60E-078DBFAA76BC}" type="datetimeFigureOut">
               <a:rPr kumimoji="1" lang="ja-JP" altLang="en-US" smtClean="0"/>
-              <a:t>2025/12/12</a:t>
+              <a:t>2025/12/14</a:t>
             </a:fld>
             <a:endParaRPr kumimoji="1" lang="ja-JP" altLang="en-US"/>
           </a:p>
@@ -1612,7 +1608,7 @@
             <a:fld id="{19426BBC-4C99-4D42-A60E-078DBFAA76BC}" type="datetimeFigureOut">
               <a:rPr lang="ja-JP" altLang="en-US" smtClean="0"/>
               <a:pPr/>
-              <a:t>2025/12/12</a:t>
+              <a:t>2025/12/14</a:t>
             </a:fld>
             <a:endParaRPr lang="ja-JP" altLang="en-US"/>
           </a:p>
@@ -1906,7 +1902,7 @@
           <a:p>
             <a:fld id="{19426BBC-4C99-4D42-A60E-078DBFAA76BC}" type="datetimeFigureOut">
               <a:rPr kumimoji="1" lang="ja-JP" altLang="en-US" smtClean="0"/>
-              <a:t>2025/12/12</a:t>
+              <a:t>2025/12/14</a:t>
             </a:fld>
             <a:endParaRPr kumimoji="1" lang="ja-JP" altLang="en-US"/>
           </a:p>
